--- a/3_Unsuprervised_Learning.pptx
+++ b/3_Unsuprervised_Learning.pptx
@@ -165,6 +165,11 @@
       </a:defRPr>
     </a:lvl9pPr>
   </p:defaultTextStyle>
+  <p:extLst>
+    <p:ext uri="{EFAFB233-063F-42B5-8137-9DF3F51BA10A}">
+      <p15:sldGuideLst xmlns:p15="http://schemas.microsoft.com/office/powerpoint/2012/main"/>
+    </p:ext>
+  </p:extLst>
 </p:presentation>
 </file>
 
@@ -315,7 +320,7 @@
           <a:p>
             <a:fld id="{29BEE5A6-929A-46EC-9C82-4B5324760692}" type="datetimeFigureOut">
               <a:rPr lang="ko-KR" altLang="en-US" smtClean="0"/>
-              <a:t>2022-04-10</a:t>
+              <a:t>2022-04-11</a:t>
             </a:fld>
             <a:endParaRPr lang="ko-KR" altLang="en-US"/>
           </a:p>
@@ -513,7 +518,7 @@
           <a:p>
             <a:fld id="{29BEE5A6-929A-46EC-9C82-4B5324760692}" type="datetimeFigureOut">
               <a:rPr lang="ko-KR" altLang="en-US" smtClean="0"/>
-              <a:t>2022-04-10</a:t>
+              <a:t>2022-04-11</a:t>
             </a:fld>
             <a:endParaRPr lang="ko-KR" altLang="en-US"/>
           </a:p>
@@ -721,7 +726,7 @@
           <a:p>
             <a:fld id="{29BEE5A6-929A-46EC-9C82-4B5324760692}" type="datetimeFigureOut">
               <a:rPr lang="ko-KR" altLang="en-US" smtClean="0"/>
-              <a:t>2022-04-10</a:t>
+              <a:t>2022-04-11</a:t>
             </a:fld>
             <a:endParaRPr lang="ko-KR" altLang="en-US"/>
           </a:p>
@@ -919,7 +924,7 @@
           <a:p>
             <a:fld id="{29BEE5A6-929A-46EC-9C82-4B5324760692}" type="datetimeFigureOut">
               <a:rPr lang="ko-KR" altLang="en-US" smtClean="0"/>
-              <a:t>2022-04-10</a:t>
+              <a:t>2022-04-11</a:t>
             </a:fld>
             <a:endParaRPr lang="ko-KR" altLang="en-US"/>
           </a:p>
@@ -1194,7 +1199,7 @@
           <a:p>
             <a:fld id="{29BEE5A6-929A-46EC-9C82-4B5324760692}" type="datetimeFigureOut">
               <a:rPr lang="ko-KR" altLang="en-US" smtClean="0"/>
-              <a:t>2022-04-10</a:t>
+              <a:t>2022-04-11</a:t>
             </a:fld>
             <a:endParaRPr lang="ko-KR" altLang="en-US"/>
           </a:p>
@@ -1459,7 +1464,7 @@
           <a:p>
             <a:fld id="{29BEE5A6-929A-46EC-9C82-4B5324760692}" type="datetimeFigureOut">
               <a:rPr lang="ko-KR" altLang="en-US" smtClean="0"/>
-              <a:t>2022-04-10</a:t>
+              <a:t>2022-04-11</a:t>
             </a:fld>
             <a:endParaRPr lang="ko-KR" altLang="en-US"/>
           </a:p>
@@ -1871,7 +1876,7 @@
           <a:p>
             <a:fld id="{29BEE5A6-929A-46EC-9C82-4B5324760692}" type="datetimeFigureOut">
               <a:rPr lang="ko-KR" altLang="en-US" smtClean="0"/>
-              <a:t>2022-04-10</a:t>
+              <a:t>2022-04-11</a:t>
             </a:fld>
             <a:endParaRPr lang="ko-KR" altLang="en-US"/>
           </a:p>
@@ -2012,7 +2017,7 @@
           <a:p>
             <a:fld id="{29BEE5A6-929A-46EC-9C82-4B5324760692}" type="datetimeFigureOut">
               <a:rPr lang="ko-KR" altLang="en-US" smtClean="0"/>
-              <a:t>2022-04-10</a:t>
+              <a:t>2022-04-11</a:t>
             </a:fld>
             <a:endParaRPr lang="ko-KR" altLang="en-US"/>
           </a:p>
@@ -2125,7 +2130,7 @@
           <a:p>
             <a:fld id="{29BEE5A6-929A-46EC-9C82-4B5324760692}" type="datetimeFigureOut">
               <a:rPr lang="ko-KR" altLang="en-US" smtClean="0"/>
-              <a:t>2022-04-10</a:t>
+              <a:t>2022-04-11</a:t>
             </a:fld>
             <a:endParaRPr lang="ko-KR" altLang="en-US"/>
           </a:p>
@@ -2436,7 +2441,7 @@
           <a:p>
             <a:fld id="{29BEE5A6-929A-46EC-9C82-4B5324760692}" type="datetimeFigureOut">
               <a:rPr lang="ko-KR" altLang="en-US" smtClean="0"/>
-              <a:t>2022-04-10</a:t>
+              <a:t>2022-04-11</a:t>
             </a:fld>
             <a:endParaRPr lang="ko-KR" altLang="en-US"/>
           </a:p>
@@ -2724,7 +2729,7 @@
           <a:p>
             <a:fld id="{29BEE5A6-929A-46EC-9C82-4B5324760692}" type="datetimeFigureOut">
               <a:rPr lang="ko-KR" altLang="en-US" smtClean="0"/>
-              <a:t>2022-04-10</a:t>
+              <a:t>2022-04-11</a:t>
             </a:fld>
             <a:endParaRPr lang="ko-KR" altLang="en-US"/>
           </a:p>
@@ -2965,7 +2970,7 @@
           <a:p>
             <a:fld id="{29BEE5A6-929A-46EC-9C82-4B5324760692}" type="datetimeFigureOut">
               <a:rPr lang="ko-KR" altLang="en-US" smtClean="0"/>
-              <a:t>2022-04-10</a:t>
+              <a:t>2022-04-11</a:t>
             </a:fld>
             <a:endParaRPr lang="ko-KR" altLang="en-US"/>
           </a:p>
@@ -5817,7 +5822,6 @@
                   <a:srgbClr val="000000"/>
                 </a:solidFill>
                 <a:effectLst/>
-                <a:latin typeface="Helvetica Neue"/>
               </a:rPr>
               <a:t>It is used in the field of data information </a:t>
             </a:r>
@@ -5827,7 +5831,6 @@
                   <a:srgbClr val="000000"/>
                 </a:solidFill>
                 <a:effectLst/>
-                <a:latin typeface="Helvetica Neue"/>
               </a:rPr>
               <a:t>retreival</a:t>
             </a:r>
@@ -5836,7 +5839,6 @@
                 <a:srgbClr val="000000"/>
               </a:solidFill>
               <a:effectLst/>
-              <a:latin typeface="Helvetica Neue"/>
             </a:endParaRPr>
           </a:p>
           <a:p>
@@ -5850,7 +5852,6 @@
                   <a:srgbClr val="000000"/>
                 </a:solidFill>
                 <a:effectLst/>
-                <a:latin typeface="Helvetica Neue"/>
               </a:rPr>
               <a:t>By using LSA, we can see the latent relevance of words from a large amount of document data.</a:t>
             </a:r>
@@ -10192,7 +10193,6 @@
                   <a:srgbClr val="000000"/>
                 </a:solidFill>
                 <a:effectLst/>
-                <a:latin typeface="Helvetica Neue"/>
               </a:rPr>
               <a:t>PCA always uses orthogonal eigenvectors, making it difficult to find associations between data, but NMF can grasp the nature of the data.</a:t>
             </a:r>
@@ -10369,7 +10369,6 @@
                   <a:srgbClr val="000000"/>
                 </a:solidFill>
                 <a:effectLst/>
-                <a:latin typeface="Helvetica Neue"/>
               </a:rPr>
               <a:t>NMF do dimensionality reduction by decompose original data to 2 matrix</a:t>
             </a:r>

--- a/3_Unsuprervised_Learning.pptx
+++ b/3_Unsuprervised_Learning.pptx
@@ -320,7 +320,7 @@
           <a:p>
             <a:fld id="{29BEE5A6-929A-46EC-9C82-4B5324760692}" type="datetimeFigureOut">
               <a:rPr lang="ko-KR" altLang="en-US" smtClean="0"/>
-              <a:t>2022-04-11</a:t>
+              <a:t>2022-04-12</a:t>
             </a:fld>
             <a:endParaRPr lang="ko-KR" altLang="en-US"/>
           </a:p>
@@ -518,7 +518,7 @@
           <a:p>
             <a:fld id="{29BEE5A6-929A-46EC-9C82-4B5324760692}" type="datetimeFigureOut">
               <a:rPr lang="ko-KR" altLang="en-US" smtClean="0"/>
-              <a:t>2022-04-11</a:t>
+              <a:t>2022-04-12</a:t>
             </a:fld>
             <a:endParaRPr lang="ko-KR" altLang="en-US"/>
           </a:p>
@@ -726,7 +726,7 @@
           <a:p>
             <a:fld id="{29BEE5A6-929A-46EC-9C82-4B5324760692}" type="datetimeFigureOut">
               <a:rPr lang="ko-KR" altLang="en-US" smtClean="0"/>
-              <a:t>2022-04-11</a:t>
+              <a:t>2022-04-12</a:t>
             </a:fld>
             <a:endParaRPr lang="ko-KR" altLang="en-US"/>
           </a:p>
@@ -924,7 +924,7 @@
           <a:p>
             <a:fld id="{29BEE5A6-929A-46EC-9C82-4B5324760692}" type="datetimeFigureOut">
               <a:rPr lang="ko-KR" altLang="en-US" smtClean="0"/>
-              <a:t>2022-04-11</a:t>
+              <a:t>2022-04-12</a:t>
             </a:fld>
             <a:endParaRPr lang="ko-KR" altLang="en-US"/>
           </a:p>
@@ -1199,7 +1199,7 @@
           <a:p>
             <a:fld id="{29BEE5A6-929A-46EC-9C82-4B5324760692}" type="datetimeFigureOut">
               <a:rPr lang="ko-KR" altLang="en-US" smtClean="0"/>
-              <a:t>2022-04-11</a:t>
+              <a:t>2022-04-12</a:t>
             </a:fld>
             <a:endParaRPr lang="ko-KR" altLang="en-US"/>
           </a:p>
@@ -1464,7 +1464,7 @@
           <a:p>
             <a:fld id="{29BEE5A6-929A-46EC-9C82-4B5324760692}" type="datetimeFigureOut">
               <a:rPr lang="ko-KR" altLang="en-US" smtClean="0"/>
-              <a:t>2022-04-11</a:t>
+              <a:t>2022-04-12</a:t>
             </a:fld>
             <a:endParaRPr lang="ko-KR" altLang="en-US"/>
           </a:p>
@@ -1876,7 +1876,7 @@
           <a:p>
             <a:fld id="{29BEE5A6-929A-46EC-9C82-4B5324760692}" type="datetimeFigureOut">
               <a:rPr lang="ko-KR" altLang="en-US" smtClean="0"/>
-              <a:t>2022-04-11</a:t>
+              <a:t>2022-04-12</a:t>
             </a:fld>
             <a:endParaRPr lang="ko-KR" altLang="en-US"/>
           </a:p>
@@ -2017,7 +2017,7 @@
           <a:p>
             <a:fld id="{29BEE5A6-929A-46EC-9C82-4B5324760692}" type="datetimeFigureOut">
               <a:rPr lang="ko-KR" altLang="en-US" smtClean="0"/>
-              <a:t>2022-04-11</a:t>
+              <a:t>2022-04-12</a:t>
             </a:fld>
             <a:endParaRPr lang="ko-KR" altLang="en-US"/>
           </a:p>
@@ -2130,7 +2130,7 @@
           <a:p>
             <a:fld id="{29BEE5A6-929A-46EC-9C82-4B5324760692}" type="datetimeFigureOut">
               <a:rPr lang="ko-KR" altLang="en-US" smtClean="0"/>
-              <a:t>2022-04-11</a:t>
+              <a:t>2022-04-12</a:t>
             </a:fld>
             <a:endParaRPr lang="ko-KR" altLang="en-US"/>
           </a:p>
@@ -2441,7 +2441,7 @@
           <a:p>
             <a:fld id="{29BEE5A6-929A-46EC-9C82-4B5324760692}" type="datetimeFigureOut">
               <a:rPr lang="ko-KR" altLang="en-US" smtClean="0"/>
-              <a:t>2022-04-11</a:t>
+              <a:t>2022-04-12</a:t>
             </a:fld>
             <a:endParaRPr lang="ko-KR" altLang="en-US"/>
           </a:p>
@@ -2729,7 +2729,7 @@
           <a:p>
             <a:fld id="{29BEE5A6-929A-46EC-9C82-4B5324760692}" type="datetimeFigureOut">
               <a:rPr lang="ko-KR" altLang="en-US" smtClean="0"/>
-              <a:t>2022-04-11</a:t>
+              <a:t>2022-04-12</a:t>
             </a:fld>
             <a:endParaRPr lang="ko-KR" altLang="en-US"/>
           </a:p>
@@ -2970,7 +2970,7 @@
           <a:p>
             <a:fld id="{29BEE5A6-929A-46EC-9C82-4B5324760692}" type="datetimeFigureOut">
               <a:rPr lang="ko-KR" altLang="en-US" smtClean="0"/>
-              <a:t>2022-04-11</a:t>
+              <a:t>2022-04-12</a:t>
             </a:fld>
             <a:endParaRPr lang="ko-KR" altLang="en-US"/>
           </a:p>
@@ -3481,6 +3481,52 @@
           </a:prstGeom>
         </p:spPr>
       </p:pic>
+      <p:sp>
+        <p:nvSpPr>
+          <p:cNvPr id="5" name="TextBox 4">
+            <a:extLst>
+              <a:ext uri="{FF2B5EF4-FFF2-40B4-BE49-F238E27FC236}">
+                <a16:creationId xmlns:a16="http://schemas.microsoft.com/office/drawing/2014/main" id="{8A5F1B56-9D61-480C-AD5D-02B8A9D7AB8F}"/>
+              </a:ext>
+            </a:extLst>
+          </p:cNvPr>
+          <p:cNvSpPr txBox="1"/>
+          <p:nvPr/>
+        </p:nvSpPr>
+        <p:spPr>
+          <a:xfrm>
+            <a:off x="0" y="6211669"/>
+            <a:ext cx="2805576" cy="646331"/>
+          </a:xfrm>
+          <a:prstGeom prst="rect">
+            <a:avLst/>
+          </a:prstGeom>
+          <a:noFill/>
+        </p:spPr>
+        <p:txBody>
+          <a:bodyPr wrap="none" rtlCol="0">
+            <a:spAutoFit/>
+          </a:bodyPr>
+          <a:lstStyle/>
+          <a:p>
+            <a:r>
+              <a:rPr lang="ko-KR" altLang="en-US" dirty="0"/>
+              <a:t>경희대학교 컴퓨터공학과</a:t>
+            </a:r>
+            <a:endParaRPr lang="en-US" altLang="ko-KR" dirty="0"/>
+          </a:p>
+          <a:p>
+            <a:r>
+              <a:rPr lang="en-US" altLang="ko-KR" dirty="0"/>
+              <a:t>2019102191 </a:t>
+            </a:r>
+            <a:r>
+              <a:rPr lang="ko-KR" altLang="en-US" dirty="0"/>
+              <a:t>신주영</a:t>
+            </a:r>
+          </a:p>
+        </p:txBody>
+      </p:sp>
     </p:spTree>
     <p:extLst>
       <p:ext uri="{BB962C8B-B14F-4D97-AF65-F5344CB8AC3E}">
@@ -5732,6 +5778,52 @@
           </a:prstGeom>
         </p:spPr>
       </p:pic>
+      <p:sp>
+        <p:nvSpPr>
+          <p:cNvPr id="5" name="TextBox 4">
+            <a:extLst>
+              <a:ext uri="{FF2B5EF4-FFF2-40B4-BE49-F238E27FC236}">
+                <a16:creationId xmlns:a16="http://schemas.microsoft.com/office/drawing/2014/main" id="{0EE9905E-96DC-4804-8AE7-3589B8984D56}"/>
+              </a:ext>
+            </a:extLst>
+          </p:cNvPr>
+          <p:cNvSpPr txBox="1"/>
+          <p:nvPr/>
+        </p:nvSpPr>
+        <p:spPr>
+          <a:xfrm>
+            <a:off x="0" y="6211669"/>
+            <a:ext cx="2805576" cy="646331"/>
+          </a:xfrm>
+          <a:prstGeom prst="rect">
+            <a:avLst/>
+          </a:prstGeom>
+          <a:noFill/>
+        </p:spPr>
+        <p:txBody>
+          <a:bodyPr wrap="none" rtlCol="0">
+            <a:spAutoFit/>
+          </a:bodyPr>
+          <a:lstStyle/>
+          <a:p>
+            <a:r>
+              <a:rPr lang="ko-KR" altLang="en-US" dirty="0"/>
+              <a:t>경희대학교 컴퓨터공학과</a:t>
+            </a:r>
+            <a:endParaRPr lang="en-US" altLang="ko-KR" dirty="0"/>
+          </a:p>
+          <a:p>
+            <a:r>
+              <a:rPr lang="en-US" altLang="ko-KR" dirty="0"/>
+              <a:t>2019102191 </a:t>
+            </a:r>
+            <a:r>
+              <a:rPr lang="ko-KR" altLang="en-US" dirty="0"/>
+              <a:t>신주영</a:t>
+            </a:r>
+          </a:p>
+        </p:txBody>
+      </p:sp>
     </p:spTree>
     <p:extLst>
       <p:ext uri="{BB962C8B-B14F-4D97-AF65-F5344CB8AC3E}">
@@ -8148,100 +8240,193 @@
           </a:p>
         </p:txBody>
       </p:sp>
-      <p:sp>
-        <p:nvSpPr>
-          <p:cNvPr id="3" name="내용 개체 틀 2">
-            <a:extLst>
-              <a:ext uri="{FF2B5EF4-FFF2-40B4-BE49-F238E27FC236}">
-                <a16:creationId xmlns:a16="http://schemas.microsoft.com/office/drawing/2014/main" id="{8812503F-28A9-49CC-8B99-034FD46349E5}"/>
-              </a:ext>
-            </a:extLst>
-          </p:cNvPr>
-          <p:cNvSpPr>
-            <a:spLocks noGrp="1"/>
-          </p:cNvSpPr>
-          <p:nvPr>
-            <p:ph idx="1"/>
-          </p:nvPr>
-        </p:nvSpPr>
-        <p:spPr/>
-        <p:txBody>
-          <a:bodyPr/>
-          <a:lstStyle/>
-          <a:p>
-            <a:pPr algn="l">
-              <a:buFont typeface="+mj-lt"/>
-              <a:buAutoNum type="arabicPeriod"/>
-            </a:pPr>
-            <a:r>
-              <a:rPr lang="en-US" altLang="ko-KR" sz="2400" b="0" i="0" dirty="0">
-                <a:solidFill>
-                  <a:srgbClr val="000000"/>
-                </a:solidFill>
-                <a:effectLst/>
-              </a:rPr>
-              <a:t>From the diagonal element values of a matrix D with four features, choose two elements of greater importance to form a 2X2 diagonal matrix.</a:t>
-            </a:r>
-          </a:p>
-          <a:p>
-            <a:pPr algn="l">
-              <a:buFont typeface="+mj-lt"/>
-              <a:buAutoNum type="arabicPeriod"/>
-            </a:pPr>
-            <a:r>
-              <a:rPr lang="en-US" altLang="ko-KR" sz="2400" b="0" i="0" dirty="0">
-                <a:solidFill>
-                  <a:srgbClr val="000000"/>
-                </a:solidFill>
-                <a:effectLst/>
-              </a:rPr>
-              <a:t>The other two matrices are also changed to correspond to the elements selected in D.</a:t>
-            </a:r>
-          </a:p>
-          <a:p>
-            <a:pPr algn="l">
-              <a:buFont typeface="+mj-lt"/>
-              <a:buAutoNum type="arabicPeriod"/>
-            </a:pPr>
-            <a:r>
-              <a:rPr lang="en-US" altLang="ko-KR" sz="2400" b="0" i="0" dirty="0">
-                <a:solidFill>
-                  <a:srgbClr val="000000"/>
-                </a:solidFill>
-                <a:effectLst/>
-              </a:rPr>
-              <a:t>The matrix U deletes the entire elements of the third and fourth columns and replaces them with an 8X2 matrix.</a:t>
-            </a:r>
-          </a:p>
-          <a:p>
-            <a:pPr algn="l">
-              <a:buFont typeface="+mj-lt"/>
-              <a:buAutoNum type="arabicPeriod"/>
-            </a:pPr>
-            <a:r>
-              <a:rPr lang="en-US" altLang="ko-KR" sz="2400" b="0" i="0" dirty="0">
-                <a:solidFill>
-                  <a:srgbClr val="000000"/>
-                </a:solidFill>
-                <a:effectLst/>
-              </a:rPr>
-              <a:t>The matrix V^T deletes all elements of the third and fourth rows to form a 2X4 matrix.</a:t>
-            </a:r>
-          </a:p>
-          <a:p>
-            <a:pPr algn="l">
-              <a:buFont typeface="Arial" panose="020B0604020202020204" pitchFamily="34" charset="0"/>
-              <a:buChar char="•"/>
-            </a:pPr>
-            <a:endParaRPr lang="en-US" altLang="ko-KR" b="0" i="0" dirty="0">
-              <a:solidFill>
-                <a:srgbClr val="000000"/>
-              </a:solidFill>
-              <a:effectLst/>
-            </a:endParaRPr>
-          </a:p>
-        </p:txBody>
-      </p:sp>
+      <mc:AlternateContent xmlns:mc="http://schemas.openxmlformats.org/markup-compatibility/2006" xmlns:a14="http://schemas.microsoft.com/office/drawing/2010/main">
+        <mc:Choice Requires="a14">
+          <p:sp>
+            <p:nvSpPr>
+              <p:cNvPr id="3" name="내용 개체 틀 2">
+                <a:extLst>
+                  <a:ext uri="{FF2B5EF4-FFF2-40B4-BE49-F238E27FC236}">
+                    <a16:creationId xmlns:a16="http://schemas.microsoft.com/office/drawing/2014/main" id="{8812503F-28A9-49CC-8B99-034FD46349E5}"/>
+                  </a:ext>
+                </a:extLst>
+              </p:cNvPr>
+              <p:cNvSpPr>
+                <a:spLocks noGrp="1"/>
+              </p:cNvSpPr>
+              <p:nvPr>
+                <p:ph idx="1"/>
+              </p:nvPr>
+            </p:nvSpPr>
+            <p:spPr/>
+            <p:txBody>
+              <a:bodyPr/>
+              <a:lstStyle/>
+              <a:p>
+                <a:pPr algn="l">
+                  <a:buFont typeface="+mj-lt"/>
+                  <a:buAutoNum type="arabicPeriod"/>
+                </a:pPr>
+                <a:r>
+                  <a:rPr lang="en-US" altLang="ko-KR" sz="2400" b="0" i="0" dirty="0">
+                    <a:solidFill>
+                      <a:srgbClr val="000000"/>
+                    </a:solidFill>
+                    <a:effectLst/>
+                  </a:rPr>
+                  <a:t>From the diagonal element values of a matrix D with four features, choose two elements of greater importance to form a 2X2 diagonal matrix.</a:t>
+                </a:r>
+              </a:p>
+              <a:p>
+                <a:pPr algn="l">
+                  <a:buFont typeface="+mj-lt"/>
+                  <a:buAutoNum type="arabicPeriod"/>
+                </a:pPr>
+                <a:r>
+                  <a:rPr lang="en-US" altLang="ko-KR" sz="2400" b="0" i="0" dirty="0">
+                    <a:solidFill>
+                      <a:srgbClr val="000000"/>
+                    </a:solidFill>
+                    <a:effectLst/>
+                  </a:rPr>
+                  <a:t>The other two matrices are also changed to correspond to the elements selected in D.</a:t>
+                </a:r>
+              </a:p>
+              <a:p>
+                <a:pPr algn="l">
+                  <a:buFont typeface="+mj-lt"/>
+                  <a:buAutoNum type="arabicPeriod"/>
+                </a:pPr>
+                <a:r>
+                  <a:rPr lang="en-US" altLang="ko-KR" sz="2400" b="0" i="0" dirty="0">
+                    <a:solidFill>
+                      <a:srgbClr val="000000"/>
+                    </a:solidFill>
+                    <a:effectLst/>
+                  </a:rPr>
+                  <a:t>The matrix U deletes the entire elements of the third and fourth columns and replaces them with an 8X2 matrix.</a:t>
+                </a:r>
+              </a:p>
+              <a:p>
+                <a:pPr algn="l">
+                  <a:buFont typeface="+mj-lt"/>
+                  <a:buAutoNum type="arabicPeriod"/>
+                </a:pPr>
+                <a:r>
+                  <a:rPr lang="en-US" altLang="ko-KR" sz="2400" b="0" i="0" dirty="0">
+                    <a:solidFill>
+                      <a:srgbClr val="000000"/>
+                    </a:solidFill>
+                    <a:effectLst/>
+                  </a:rPr>
+                  <a:t>The matrix </a:t>
+                </a:r>
+                <a14:m>
+                  <m:oMath xmlns:m="http://schemas.openxmlformats.org/officeDocument/2006/math">
+                    <m:sSup>
+                      <m:sSupPr>
+                        <m:ctrlPr>
+                          <a:rPr lang="en-US" altLang="ko-KR" sz="2400" b="0" i="1" smtClean="0">
+                            <a:solidFill>
+                              <a:srgbClr val="000000"/>
+                            </a:solidFill>
+                            <a:effectLst/>
+                            <a:latin typeface="Cambria Math" panose="02040503050406030204" pitchFamily="18" charset="0"/>
+                          </a:rPr>
+                        </m:ctrlPr>
+                      </m:sSupPr>
+                      <m:e>
+                        <m:r>
+                          <a:rPr lang="en-US" altLang="ko-KR" sz="2400" b="0" i="1" smtClean="0">
+                            <a:solidFill>
+                              <a:srgbClr val="000000"/>
+                            </a:solidFill>
+                            <a:effectLst/>
+                            <a:latin typeface="Cambria Math" panose="02040503050406030204" pitchFamily="18" charset="0"/>
+                          </a:rPr>
+                          <m:t>𝑉</m:t>
+                        </m:r>
+                      </m:e>
+                      <m:sup>
+                        <m:r>
+                          <a:rPr lang="en-US" altLang="ko-KR" sz="2400" b="0" i="1" smtClean="0">
+                            <a:solidFill>
+                              <a:srgbClr val="000000"/>
+                            </a:solidFill>
+                            <a:effectLst/>
+                            <a:latin typeface="Cambria Math" panose="02040503050406030204" pitchFamily="18" charset="0"/>
+                          </a:rPr>
+                          <m:t>𝑇</m:t>
+                        </m:r>
+                      </m:sup>
+                    </m:sSup>
+                  </m:oMath>
+                </a14:m>
+                <a:r>
+                  <a:rPr lang="en-US" altLang="ko-KR" sz="2400" b="0" i="0" dirty="0">
+                    <a:solidFill>
+                      <a:srgbClr val="000000"/>
+                    </a:solidFill>
+                    <a:effectLst/>
+                  </a:rPr>
+                  <a:t> deletes all elements of the third and fourth rows to form a 2X4 matrix.</a:t>
+                </a:r>
+              </a:p>
+              <a:p>
+                <a:pPr algn="l">
+                  <a:buFont typeface="Arial" panose="020B0604020202020204" pitchFamily="34" charset="0"/>
+                  <a:buChar char="•"/>
+                </a:pPr>
+                <a:endParaRPr lang="en-US" altLang="ko-KR" b="0" i="0" dirty="0">
+                  <a:solidFill>
+                    <a:srgbClr val="000000"/>
+                  </a:solidFill>
+                  <a:effectLst/>
+                </a:endParaRPr>
+              </a:p>
+            </p:txBody>
+          </p:sp>
+        </mc:Choice>
+        <mc:Fallback xmlns="">
+          <p:sp>
+            <p:nvSpPr>
+              <p:cNvPr id="3" name="내용 개체 틀 2">
+                <a:extLst>
+                  <a:ext uri="{FF2B5EF4-FFF2-40B4-BE49-F238E27FC236}">
+                    <a16:creationId xmlns:a16="http://schemas.microsoft.com/office/drawing/2014/main" id="{8812503F-28A9-49CC-8B99-034FD46349E5}"/>
+                  </a:ext>
+                </a:extLst>
+              </p:cNvPr>
+              <p:cNvSpPr>
+                <a:spLocks noGrp="1" noRot="1" noChangeAspect="1" noMove="1" noResize="1" noEditPoints="1" noAdjustHandles="1" noChangeArrowheads="1" noChangeShapeType="1" noTextEdit="1"/>
+              </p:cNvSpPr>
+              <p:nvPr>
+                <p:ph idx="1"/>
+              </p:nvPr>
+            </p:nvSpPr>
+            <p:spPr>
+              <a:blipFill>
+                <a:blip r:embed="rId2"/>
+                <a:stretch>
+                  <a:fillRect l="-1101" t="-2801" r="-1623"/>
+                </a:stretch>
+              </a:blipFill>
+            </p:spPr>
+            <p:txBody>
+              <a:bodyPr/>
+              <a:lstStyle/>
+              <a:p>
+                <a:r>
+                  <a:rPr lang="ko-KR" altLang="en-US">
+                    <a:noFill/>
+                  </a:rPr>
+                  <a:t> </a:t>
+                </a:r>
+              </a:p>
+            </p:txBody>
+          </p:sp>
+        </mc:Fallback>
+      </mc:AlternateContent>
       <p:pic>
         <p:nvPicPr>
           <p:cNvPr id="4" name="그림 3">
@@ -8257,7 +8442,7 @@
           <p:nvPr/>
         </p:nvPicPr>
         <p:blipFill>
-          <a:blip r:embed="rId2">
+          <a:blip r:embed="rId3">
             <a:extLst>
               <a:ext uri="{28A0092B-C50C-407E-A947-70E740481C1C}">
                 <a14:useLocalDpi xmlns:a14="http://schemas.microsoft.com/office/drawing/2010/main" val="0"/>
@@ -8732,7 +8917,7 @@
                 <a:avLst/>
               </a:prstGeom>
               <a:blipFill>
-                <a:blip r:embed="rId3"/>
+                <a:blip r:embed="rId4"/>
                 <a:stretch>
                   <a:fillRect l="-79"/>
                 </a:stretch>
@@ -9885,6 +10070,52 @@
           </a:prstGeom>
         </p:spPr>
       </p:pic>
+      <p:sp>
+        <p:nvSpPr>
+          <p:cNvPr id="5" name="TextBox 4">
+            <a:extLst>
+              <a:ext uri="{FF2B5EF4-FFF2-40B4-BE49-F238E27FC236}">
+                <a16:creationId xmlns:a16="http://schemas.microsoft.com/office/drawing/2014/main" id="{1768E707-4330-48C9-B884-8C602D08BC4E}"/>
+              </a:ext>
+            </a:extLst>
+          </p:cNvPr>
+          <p:cNvSpPr txBox="1"/>
+          <p:nvPr/>
+        </p:nvSpPr>
+        <p:spPr>
+          <a:xfrm>
+            <a:off x="0" y="6211669"/>
+            <a:ext cx="2805576" cy="646331"/>
+          </a:xfrm>
+          <a:prstGeom prst="rect">
+            <a:avLst/>
+          </a:prstGeom>
+          <a:noFill/>
+        </p:spPr>
+        <p:txBody>
+          <a:bodyPr wrap="none" rtlCol="0">
+            <a:spAutoFit/>
+          </a:bodyPr>
+          <a:lstStyle/>
+          <a:p>
+            <a:r>
+              <a:rPr lang="ko-KR" altLang="en-US" dirty="0"/>
+              <a:t>경희대학교 컴퓨터공학과</a:t>
+            </a:r>
+            <a:endParaRPr lang="en-US" altLang="ko-KR" dirty="0"/>
+          </a:p>
+          <a:p>
+            <a:r>
+              <a:rPr lang="en-US" altLang="ko-KR" dirty="0"/>
+              <a:t>2019102191 </a:t>
+            </a:r>
+            <a:r>
+              <a:rPr lang="ko-KR" altLang="en-US" dirty="0"/>
+              <a:t>신주영</a:t>
+            </a:r>
+          </a:p>
+        </p:txBody>
+      </p:sp>
     </p:spTree>
     <p:extLst>
       <p:ext uri="{BB962C8B-B14F-4D97-AF65-F5344CB8AC3E}">
@@ -11172,6 +11403,52 @@
           </a:prstGeom>
         </p:spPr>
       </p:pic>
+      <p:sp>
+        <p:nvSpPr>
+          <p:cNvPr id="5" name="TextBox 4">
+            <a:extLst>
+              <a:ext uri="{FF2B5EF4-FFF2-40B4-BE49-F238E27FC236}">
+                <a16:creationId xmlns:a16="http://schemas.microsoft.com/office/drawing/2014/main" id="{CACA0455-BE2C-4620-9741-8996B28583C3}"/>
+              </a:ext>
+            </a:extLst>
+          </p:cNvPr>
+          <p:cNvSpPr txBox="1"/>
+          <p:nvPr/>
+        </p:nvSpPr>
+        <p:spPr>
+          <a:xfrm>
+            <a:off x="0" y="6211669"/>
+            <a:ext cx="2805576" cy="646331"/>
+          </a:xfrm>
+          <a:prstGeom prst="rect">
+            <a:avLst/>
+          </a:prstGeom>
+          <a:noFill/>
+        </p:spPr>
+        <p:txBody>
+          <a:bodyPr wrap="none" rtlCol="0">
+            <a:spAutoFit/>
+          </a:bodyPr>
+          <a:lstStyle/>
+          <a:p>
+            <a:r>
+              <a:rPr lang="ko-KR" altLang="en-US" dirty="0"/>
+              <a:t>경희대학교 컴퓨터공학과</a:t>
+            </a:r>
+            <a:endParaRPr lang="en-US" altLang="ko-KR" dirty="0"/>
+          </a:p>
+          <a:p>
+            <a:r>
+              <a:rPr lang="en-US" altLang="ko-KR" dirty="0"/>
+              <a:t>2019102191 </a:t>
+            </a:r>
+            <a:r>
+              <a:rPr lang="ko-KR" altLang="en-US" dirty="0"/>
+              <a:t>신주영</a:t>
+            </a:r>
+          </a:p>
+        </p:txBody>
+      </p:sp>
     </p:spTree>
     <p:extLst>
       <p:ext uri="{BB962C8B-B14F-4D97-AF65-F5344CB8AC3E}">
@@ -12086,6 +12363,52 @@
           </a:prstGeom>
         </p:spPr>
       </p:pic>
+      <p:sp>
+        <p:nvSpPr>
+          <p:cNvPr id="6" name="TextBox 5">
+            <a:extLst>
+              <a:ext uri="{FF2B5EF4-FFF2-40B4-BE49-F238E27FC236}">
+                <a16:creationId xmlns:a16="http://schemas.microsoft.com/office/drawing/2014/main" id="{8FDB894A-C009-43C4-8CAF-09711DEF8B6C}"/>
+              </a:ext>
+            </a:extLst>
+          </p:cNvPr>
+          <p:cNvSpPr txBox="1"/>
+          <p:nvPr/>
+        </p:nvSpPr>
+        <p:spPr>
+          <a:xfrm>
+            <a:off x="0" y="6211669"/>
+            <a:ext cx="2805576" cy="646331"/>
+          </a:xfrm>
+          <a:prstGeom prst="rect">
+            <a:avLst/>
+          </a:prstGeom>
+          <a:noFill/>
+        </p:spPr>
+        <p:txBody>
+          <a:bodyPr wrap="none" rtlCol="0">
+            <a:spAutoFit/>
+          </a:bodyPr>
+          <a:lstStyle/>
+          <a:p>
+            <a:r>
+              <a:rPr lang="ko-KR" altLang="en-US" dirty="0"/>
+              <a:t>경희대학교 컴퓨터공학과</a:t>
+            </a:r>
+            <a:endParaRPr lang="en-US" altLang="ko-KR" dirty="0"/>
+          </a:p>
+          <a:p>
+            <a:r>
+              <a:rPr lang="en-US" altLang="ko-KR" dirty="0"/>
+              <a:t>2019102191 </a:t>
+            </a:r>
+            <a:r>
+              <a:rPr lang="ko-KR" altLang="en-US" dirty="0"/>
+              <a:t>신주영</a:t>
+            </a:r>
+          </a:p>
+        </p:txBody>
+      </p:sp>
     </p:spTree>
     <p:extLst>
       <p:ext uri="{BB962C8B-B14F-4D97-AF65-F5344CB8AC3E}">
@@ -12472,25 +12795,7 @@
                 </a:solidFill>
                 <a:effectLst/>
               </a:rPr>
-              <a:t>K-means </a:t>
-            </a:r>
-            <a:r>
-              <a:rPr lang="en-US" altLang="ko-KR" b="0" i="0" dirty="0" err="1">
-                <a:solidFill>
-                  <a:srgbClr val="000000"/>
-                </a:solidFill>
-                <a:effectLst/>
-              </a:rPr>
-              <a:t>algorithmd's</a:t>
-            </a:r>
-            <a:r>
-              <a:rPr lang="en-US" altLang="ko-KR" b="0" i="0" dirty="0">
-                <a:solidFill>
-                  <a:srgbClr val="000000"/>
-                </a:solidFill>
-                <a:effectLst/>
-              </a:rPr>
-              <a:t> learning process</a:t>
+              <a:t>K-means algorithm learning process</a:t>
             </a:r>
           </a:p>
           <a:p>
@@ -13776,6 +14081,52 @@
           </a:prstGeom>
         </p:spPr>
       </p:pic>
+      <p:sp>
+        <p:nvSpPr>
+          <p:cNvPr id="5" name="TextBox 4">
+            <a:extLst>
+              <a:ext uri="{FF2B5EF4-FFF2-40B4-BE49-F238E27FC236}">
+                <a16:creationId xmlns:a16="http://schemas.microsoft.com/office/drawing/2014/main" id="{45274059-5659-4933-817F-7AD3B7018BA9}"/>
+              </a:ext>
+            </a:extLst>
+          </p:cNvPr>
+          <p:cNvSpPr txBox="1"/>
+          <p:nvPr/>
+        </p:nvSpPr>
+        <p:spPr>
+          <a:xfrm>
+            <a:off x="0" y="6211669"/>
+            <a:ext cx="2805576" cy="646331"/>
+          </a:xfrm>
+          <a:prstGeom prst="rect">
+            <a:avLst/>
+          </a:prstGeom>
+          <a:noFill/>
+        </p:spPr>
+        <p:txBody>
+          <a:bodyPr wrap="none" rtlCol="0">
+            <a:spAutoFit/>
+          </a:bodyPr>
+          <a:lstStyle/>
+          <a:p>
+            <a:r>
+              <a:rPr lang="ko-KR" altLang="en-US" dirty="0"/>
+              <a:t>경희대학교 컴퓨터공학과</a:t>
+            </a:r>
+            <a:endParaRPr lang="en-US" altLang="ko-KR" dirty="0"/>
+          </a:p>
+          <a:p>
+            <a:r>
+              <a:rPr lang="en-US" altLang="ko-KR" dirty="0"/>
+              <a:t>2019102191 </a:t>
+            </a:r>
+            <a:r>
+              <a:rPr lang="ko-KR" altLang="en-US" dirty="0"/>
+              <a:t>신주영</a:t>
+            </a:r>
+          </a:p>
+        </p:txBody>
+      </p:sp>
     </p:spTree>
     <p:extLst>
       <p:ext uri="{BB962C8B-B14F-4D97-AF65-F5344CB8AC3E}">
@@ -14579,6 +14930,52 @@
           </a:prstGeom>
         </p:spPr>
       </p:pic>
+      <p:sp>
+        <p:nvSpPr>
+          <p:cNvPr id="5" name="TextBox 4">
+            <a:extLst>
+              <a:ext uri="{FF2B5EF4-FFF2-40B4-BE49-F238E27FC236}">
+                <a16:creationId xmlns:a16="http://schemas.microsoft.com/office/drawing/2014/main" id="{66D958A0-E95B-496C-9A22-A311F679748D}"/>
+              </a:ext>
+            </a:extLst>
+          </p:cNvPr>
+          <p:cNvSpPr txBox="1"/>
+          <p:nvPr/>
+        </p:nvSpPr>
+        <p:spPr>
+          <a:xfrm>
+            <a:off x="0" y="6211669"/>
+            <a:ext cx="2805576" cy="646331"/>
+          </a:xfrm>
+          <a:prstGeom prst="rect">
+            <a:avLst/>
+          </a:prstGeom>
+          <a:noFill/>
+        </p:spPr>
+        <p:txBody>
+          <a:bodyPr wrap="none" rtlCol="0">
+            <a:spAutoFit/>
+          </a:bodyPr>
+          <a:lstStyle/>
+          <a:p>
+            <a:r>
+              <a:rPr lang="ko-KR" altLang="en-US" dirty="0"/>
+              <a:t>경희대학교 컴퓨터공학과</a:t>
+            </a:r>
+            <a:endParaRPr lang="en-US" altLang="ko-KR" dirty="0"/>
+          </a:p>
+          <a:p>
+            <a:r>
+              <a:rPr lang="en-US" altLang="ko-KR" dirty="0"/>
+              <a:t>2019102191 </a:t>
+            </a:r>
+            <a:r>
+              <a:rPr lang="ko-KR" altLang="en-US" dirty="0"/>
+              <a:t>신주영</a:t>
+            </a:r>
+          </a:p>
+        </p:txBody>
+      </p:sp>
     </p:spTree>
     <p:extLst>
       <p:ext uri="{BB962C8B-B14F-4D97-AF65-F5344CB8AC3E}">
@@ -18852,6 +19249,52 @@
           </a:prstGeom>
         </p:spPr>
       </p:pic>
+      <p:sp>
+        <p:nvSpPr>
+          <p:cNvPr id="5" name="TextBox 4">
+            <a:extLst>
+              <a:ext uri="{FF2B5EF4-FFF2-40B4-BE49-F238E27FC236}">
+                <a16:creationId xmlns:a16="http://schemas.microsoft.com/office/drawing/2014/main" id="{D12696A6-AC2D-4572-BECE-FB4993CA88FA}"/>
+              </a:ext>
+            </a:extLst>
+          </p:cNvPr>
+          <p:cNvSpPr txBox="1"/>
+          <p:nvPr/>
+        </p:nvSpPr>
+        <p:spPr>
+          <a:xfrm>
+            <a:off x="0" y="6211669"/>
+            <a:ext cx="2805576" cy="646331"/>
+          </a:xfrm>
+          <a:prstGeom prst="rect">
+            <a:avLst/>
+          </a:prstGeom>
+          <a:noFill/>
+        </p:spPr>
+        <p:txBody>
+          <a:bodyPr wrap="none" rtlCol="0">
+            <a:spAutoFit/>
+          </a:bodyPr>
+          <a:lstStyle/>
+          <a:p>
+            <a:r>
+              <a:rPr lang="ko-KR" altLang="en-US" dirty="0"/>
+              <a:t>경희대학교 컴퓨터공학과</a:t>
+            </a:r>
+            <a:endParaRPr lang="en-US" altLang="ko-KR" dirty="0"/>
+          </a:p>
+          <a:p>
+            <a:r>
+              <a:rPr lang="en-US" altLang="ko-KR" dirty="0"/>
+              <a:t>2019102191 </a:t>
+            </a:r>
+            <a:r>
+              <a:rPr lang="ko-KR" altLang="en-US" dirty="0"/>
+              <a:t>신주영</a:t>
+            </a:r>
+          </a:p>
+        </p:txBody>
+      </p:sp>
     </p:spTree>
     <p:extLst>
       <p:ext uri="{BB962C8B-B14F-4D97-AF65-F5344CB8AC3E}">
